--- a/database/slides/HAND_IN_HAND_WITH_CHRIST.pptx
+++ b/database/slides/HAND_IN_HAND_WITH_CHRIST.pptx
@@ -15851,7 +15851,13 @@
       </p:sp>
       <p:sp>
         <p:nvSpPr>
-          <p:cNvPr id="131" name="Google Shape;131;p25"/>
+          <p:cNvPr id="2" name="Google Shape;131;p25">
+            <a:extLst>
+              <a:ext uri="{FF2B5EF4-FFF2-40B4-BE49-F238E27FC236}">
+                <a16:creationId xmlns:a16="http://schemas.microsoft.com/office/drawing/2014/main" id="{510E996F-ECF8-9918-DFBB-9044DC231C44}"/>
+              </a:ext>
+            </a:extLst>
+          </p:cNvPr>
           <p:cNvSpPr txBox="1"/>
           <p:nvPr/>
         </p:nvSpPr>
@@ -16157,7 +16163,13 @@
       </p:sp>
       <p:sp>
         <p:nvSpPr>
-          <p:cNvPr id="131" name="Google Shape;131;p25"/>
+          <p:cNvPr id="2" name="Google Shape;131;p25">
+            <a:extLst>
+              <a:ext uri="{FF2B5EF4-FFF2-40B4-BE49-F238E27FC236}">
+                <a16:creationId xmlns:a16="http://schemas.microsoft.com/office/drawing/2014/main" id="{6E55BB22-D79B-6ED6-FEE2-5B7208DA84FB}"/>
+              </a:ext>
+            </a:extLst>
+          </p:cNvPr>
           <p:cNvSpPr txBox="1"/>
           <p:nvPr/>
         </p:nvSpPr>
